--- a/powerpoint/20250405_초안구성.pptx
+++ b/powerpoint/20250405_초안구성.pptx
@@ -260,7 +260,7 @@
           <a:p>
             <a:fld id="{B138E518-143D-4714-B719-E07D79313EBE}" type="datetimeFigureOut">
               <a:rPr lang="ko-KR" altLang="en-US" smtClean="0"/>
-              <a:t>2025-04-06(Sun)</a:t>
+              <a:t>2025-04-10(Thu)</a:t>
             </a:fld>
             <a:endParaRPr lang="ko-KR" altLang="en-US"/>
           </a:p>
@@ -458,7 +458,7 @@
           <a:p>
             <a:fld id="{B138E518-143D-4714-B719-E07D79313EBE}" type="datetimeFigureOut">
               <a:rPr lang="ko-KR" altLang="en-US" smtClean="0"/>
-              <a:t>2025-04-06(Sun)</a:t>
+              <a:t>2025-04-10(Thu)</a:t>
             </a:fld>
             <a:endParaRPr lang="ko-KR" altLang="en-US"/>
           </a:p>
@@ -666,7 +666,7 @@
           <a:p>
             <a:fld id="{B138E518-143D-4714-B719-E07D79313EBE}" type="datetimeFigureOut">
               <a:rPr lang="ko-KR" altLang="en-US" smtClean="0"/>
-              <a:t>2025-04-06(Sun)</a:t>
+              <a:t>2025-04-10(Thu)</a:t>
             </a:fld>
             <a:endParaRPr lang="ko-KR" altLang="en-US"/>
           </a:p>
@@ -864,7 +864,7 @@
           <a:p>
             <a:fld id="{B138E518-143D-4714-B719-E07D79313EBE}" type="datetimeFigureOut">
               <a:rPr lang="ko-KR" altLang="en-US" smtClean="0"/>
-              <a:t>2025-04-06(Sun)</a:t>
+              <a:t>2025-04-10(Thu)</a:t>
             </a:fld>
             <a:endParaRPr lang="ko-KR" altLang="en-US"/>
           </a:p>
@@ -1139,7 +1139,7 @@
           <a:p>
             <a:fld id="{B138E518-143D-4714-B719-E07D79313EBE}" type="datetimeFigureOut">
               <a:rPr lang="ko-KR" altLang="en-US" smtClean="0"/>
-              <a:t>2025-04-06(Sun)</a:t>
+              <a:t>2025-04-10(Thu)</a:t>
             </a:fld>
             <a:endParaRPr lang="ko-KR" altLang="en-US"/>
           </a:p>
@@ -1404,7 +1404,7 @@
           <a:p>
             <a:fld id="{B138E518-143D-4714-B719-E07D79313EBE}" type="datetimeFigureOut">
               <a:rPr lang="ko-KR" altLang="en-US" smtClean="0"/>
-              <a:t>2025-04-06(Sun)</a:t>
+              <a:t>2025-04-10(Thu)</a:t>
             </a:fld>
             <a:endParaRPr lang="ko-KR" altLang="en-US"/>
           </a:p>
@@ -1816,7 +1816,7 @@
           <a:p>
             <a:fld id="{B138E518-143D-4714-B719-E07D79313EBE}" type="datetimeFigureOut">
               <a:rPr lang="ko-KR" altLang="en-US" smtClean="0"/>
-              <a:t>2025-04-06(Sun)</a:t>
+              <a:t>2025-04-10(Thu)</a:t>
             </a:fld>
             <a:endParaRPr lang="ko-KR" altLang="en-US"/>
           </a:p>
@@ -1957,7 +1957,7 @@
           <a:p>
             <a:fld id="{B138E518-143D-4714-B719-E07D79313EBE}" type="datetimeFigureOut">
               <a:rPr lang="ko-KR" altLang="en-US" smtClean="0"/>
-              <a:t>2025-04-06(Sun)</a:t>
+              <a:t>2025-04-10(Thu)</a:t>
             </a:fld>
             <a:endParaRPr lang="ko-KR" altLang="en-US"/>
           </a:p>
@@ -2070,7 +2070,7 @@
           <a:p>
             <a:fld id="{B138E518-143D-4714-B719-E07D79313EBE}" type="datetimeFigureOut">
               <a:rPr lang="ko-KR" altLang="en-US" smtClean="0"/>
-              <a:t>2025-04-06(Sun)</a:t>
+              <a:t>2025-04-10(Thu)</a:t>
             </a:fld>
             <a:endParaRPr lang="ko-KR" altLang="en-US"/>
           </a:p>
@@ -2381,7 +2381,7 @@
           <a:p>
             <a:fld id="{B138E518-143D-4714-B719-E07D79313EBE}" type="datetimeFigureOut">
               <a:rPr lang="ko-KR" altLang="en-US" smtClean="0"/>
-              <a:t>2025-04-06(Sun)</a:t>
+              <a:t>2025-04-10(Thu)</a:t>
             </a:fld>
             <a:endParaRPr lang="ko-KR" altLang="en-US"/>
           </a:p>
@@ -2669,7 +2669,7 @@
           <a:p>
             <a:fld id="{B138E518-143D-4714-B719-E07D79313EBE}" type="datetimeFigureOut">
               <a:rPr lang="ko-KR" altLang="en-US" smtClean="0"/>
-              <a:t>2025-04-06(Sun)</a:t>
+              <a:t>2025-04-10(Thu)</a:t>
             </a:fld>
             <a:endParaRPr lang="ko-KR" altLang="en-US"/>
           </a:p>
@@ -2910,7 +2910,7 @@
           <a:p>
             <a:fld id="{B138E518-143D-4714-B719-E07D79313EBE}" type="datetimeFigureOut">
               <a:rPr lang="ko-KR" altLang="en-US" smtClean="0"/>
-              <a:t>2025-04-06(Sun)</a:t>
+              <a:t>2025-04-10(Thu)</a:t>
             </a:fld>
             <a:endParaRPr lang="ko-KR" altLang="en-US"/>
           </a:p>
@@ -3430,54 +3430,93 @@
           <a:lstStyle/>
           <a:p>
             <a:r>
-              <a:rPr lang="en-US" altLang="ko-KR" dirty="0"/>
+              <a:rPr lang="en-US" altLang="ko-KR" dirty="0">
+                <a:latin typeface="나눔스퀘어OTF Bold" panose="020B0600000101010101" pitchFamily="34" charset="-127"/>
+                <a:ea typeface="나눔스퀘어OTF Bold" panose="020B0600000101010101" pitchFamily="34" charset="-127"/>
+              </a:rPr>
               <a:t>Chat</a:t>
             </a:r>
             <a:r>
-              <a:rPr lang="ko-KR" altLang="en-US" dirty="0"/>
+              <a:rPr lang="ko-KR" altLang="en-US" dirty="0">
+                <a:latin typeface="나눔스퀘어OTF Bold" panose="020B0600000101010101" pitchFamily="34" charset="-127"/>
+                <a:ea typeface="나눔스퀘어OTF Bold" panose="020B0600000101010101" pitchFamily="34" charset="-127"/>
+              </a:rPr>
               <a:t> </a:t>
             </a:r>
             <a:r>
-              <a:rPr lang="en-US" altLang="ko-KR" dirty="0"/>
+              <a:rPr lang="en-US" altLang="ko-KR" dirty="0">
+                <a:latin typeface="나눔스퀘어OTF Bold" panose="020B0600000101010101" pitchFamily="34" charset="-127"/>
+                <a:ea typeface="나눔스퀘어OTF Bold" panose="020B0600000101010101" pitchFamily="34" charset="-127"/>
+              </a:rPr>
               <a:t>GPT </a:t>
             </a:r>
             <a:r>
-              <a:rPr lang="ko-KR" altLang="en-US" dirty="0"/>
+              <a:rPr lang="ko-KR" altLang="en-US" dirty="0">
+                <a:latin typeface="나눔스퀘어OTF Bold" panose="020B0600000101010101" pitchFamily="34" charset="-127"/>
+                <a:ea typeface="나눔스퀘어OTF Bold" panose="020B0600000101010101" pitchFamily="34" charset="-127"/>
+              </a:rPr>
               <a:t>기반 상담 알고리즘 제작 </a:t>
             </a:r>
             <a:r>
-              <a:rPr lang="en-US" altLang="ko-KR" dirty="0"/>
+              <a:rPr lang="en-US" altLang="ko-KR" dirty="0">
+                <a:latin typeface="나눔스퀘어OTF Bold" panose="020B0600000101010101" pitchFamily="34" charset="-127"/>
+                <a:ea typeface="나눔스퀘어OTF Bold" panose="020B0600000101010101" pitchFamily="34" charset="-127"/>
+              </a:rPr>
               <a:t>(</a:t>
             </a:r>
             <a:r>
-              <a:rPr lang="ko-KR" altLang="en-US" dirty="0"/>
+              <a:rPr lang="ko-KR" altLang="en-US" dirty="0">
+                <a:latin typeface="나눔스퀘어OTF Bold" panose="020B0600000101010101" pitchFamily="34" charset="-127"/>
+                <a:ea typeface="나눔스퀘어OTF Bold" panose="020B0600000101010101" pitchFamily="34" charset="-127"/>
+              </a:rPr>
               <a:t>답변</a:t>
             </a:r>
             <a:r>
-              <a:rPr lang="en-US" altLang="ko-KR" dirty="0"/>
+              <a:rPr lang="en-US" altLang="ko-KR" dirty="0">
+                <a:latin typeface="나눔스퀘어OTF Bold" panose="020B0600000101010101" pitchFamily="34" charset="-127"/>
+                <a:ea typeface="나눔스퀘어OTF Bold" panose="020B0600000101010101" pitchFamily="34" charset="-127"/>
+              </a:rPr>
               <a:t>,</a:t>
             </a:r>
             <a:r>
-              <a:rPr lang="ko-KR" altLang="en-US" dirty="0"/>
+              <a:rPr lang="ko-KR" altLang="en-US" dirty="0">
+                <a:latin typeface="나눔스퀘어OTF Bold" panose="020B0600000101010101" pitchFamily="34" charset="-127"/>
+                <a:ea typeface="나눔스퀘어OTF Bold" panose="020B0600000101010101" pitchFamily="34" charset="-127"/>
+              </a:rPr>
               <a:t>제안</a:t>
             </a:r>
             <a:r>
-              <a:rPr lang="en-US" altLang="ko-KR" dirty="0"/>
+              <a:rPr lang="en-US" altLang="ko-KR" dirty="0">
+                <a:latin typeface="나눔스퀘어OTF Bold" panose="020B0600000101010101" pitchFamily="34" charset="-127"/>
+                <a:ea typeface="나눔스퀘어OTF Bold" panose="020B0600000101010101" pitchFamily="34" charset="-127"/>
+              </a:rPr>
               <a:t>,</a:t>
             </a:r>
             <a:r>
-              <a:rPr lang="ko-KR" altLang="en-US" dirty="0" err="1"/>
+              <a:rPr lang="ko-KR" altLang="en-US" dirty="0" err="1">
+                <a:latin typeface="나눔스퀘어OTF Bold" panose="020B0600000101010101" pitchFamily="34" charset="-127"/>
+                <a:ea typeface="나눔스퀘어OTF Bold" panose="020B0600000101010101" pitchFamily="34" charset="-127"/>
+              </a:rPr>
               <a:t>활용등</a:t>
             </a:r>
             <a:r>
-              <a:rPr lang="ko-KR" altLang="en-US" dirty="0"/>
+              <a:rPr lang="ko-KR" altLang="en-US" dirty="0">
+                <a:latin typeface="나눔스퀘어OTF Bold" panose="020B0600000101010101" pitchFamily="34" charset="-127"/>
+                <a:ea typeface="나눔스퀘어OTF Bold" panose="020B0600000101010101" pitchFamily="34" charset="-127"/>
+              </a:rPr>
               <a:t> </a:t>
             </a:r>
             <a:r>
-              <a:rPr lang="en-US" altLang="ko-KR" dirty="0"/>
+              <a:rPr lang="en-US" altLang="ko-KR" dirty="0">
+                <a:latin typeface="나눔스퀘어OTF Bold" panose="020B0600000101010101" pitchFamily="34" charset="-127"/>
+                <a:ea typeface="나눔스퀘어OTF Bold" panose="020B0600000101010101" pitchFamily="34" charset="-127"/>
+              </a:rPr>
               <a:t>)</a:t>
             </a:r>
-            <a:endParaRPr lang="ko-KR" altLang="en-US" dirty="0"/>
+            <a:endParaRPr lang="ko-KR" altLang="en-US" dirty="0">
+              <a:latin typeface="나눔스퀘어OTF Bold" panose="020B0600000101010101" pitchFamily="34" charset="-127"/>
+              <a:ea typeface="나눔스퀘어OTF Bold" panose="020B0600000101010101" pitchFamily="34" charset="-127"/>
+            </a:endParaRPr>
           </a:p>
         </p:txBody>
       </p:sp>
@@ -3573,11 +3612,17 @@
               <a:buNone/>
             </a:pPr>
             <a:r>
-              <a:rPr lang="ko-KR" altLang="en-US" b="1" dirty="0"/>
+              <a:rPr lang="ko-KR" altLang="en-US" b="1" dirty="0">
+                <a:latin typeface="나눔스퀘어OTF" panose="020B0600000101010101" pitchFamily="34" charset="-127"/>
+                <a:ea typeface="나눔스퀘어OTF" panose="020B0600000101010101" pitchFamily="34" charset="-127"/>
+              </a:rPr>
               <a:t>⚙️ 작동 방식 </a:t>
             </a:r>
             <a:r>
-              <a:rPr lang="en-US" altLang="ko-KR" b="1" dirty="0"/>
+              <a:rPr lang="en-US" altLang="ko-KR" b="1" dirty="0">
+                <a:latin typeface="나눔스퀘어OTF" panose="020B0600000101010101" pitchFamily="34" charset="-127"/>
+                <a:ea typeface="나눔스퀘어OTF" panose="020B0600000101010101" pitchFamily="34" charset="-127"/>
+              </a:rPr>
               <a:t>(Operational Flow)</a:t>
             </a:r>
           </a:p>
@@ -3587,7 +3632,10 @@
               <a:buAutoNum type="arabicPeriod"/>
             </a:pPr>
             <a:r>
-              <a:rPr lang="ko-KR" altLang="en-US" dirty="0"/>
+              <a:rPr lang="ko-KR" altLang="en-US" dirty="0">
+                <a:latin typeface="나눔스퀘어OTF" panose="020B0600000101010101" pitchFamily="34" charset="-127"/>
+                <a:ea typeface="나눔스퀘어OTF" panose="020B0600000101010101" pitchFamily="34" charset="-127"/>
+              </a:rPr>
               <a:t>🙋‍♀️ 고객 질문 입력</a:t>
             </a:r>
           </a:p>
@@ -3597,14 +3645,23 @@
               <a:buAutoNum type="arabicPeriod"/>
             </a:pPr>
             <a:r>
-              <a:rPr lang="ko-KR" altLang="en-US" dirty="0"/>
+              <a:rPr lang="ko-KR" altLang="en-US" dirty="0">
+                <a:latin typeface="나눔스퀘어OTF" panose="020B0600000101010101" pitchFamily="34" charset="-127"/>
+                <a:ea typeface="나눔스퀘어OTF" panose="020B0600000101010101" pitchFamily="34" charset="-127"/>
+              </a:rPr>
               <a:t>🧬 입력과 기존 문의사항 간 </a:t>
             </a:r>
             <a:r>
-              <a:rPr lang="ko-KR" altLang="en-US" b="1" dirty="0"/>
+              <a:rPr lang="ko-KR" altLang="en-US" b="1" dirty="0">
+                <a:latin typeface="나눔스퀘어OTF" panose="020B0600000101010101" pitchFamily="34" charset="-127"/>
+                <a:ea typeface="나눔스퀘어OTF" panose="020B0600000101010101" pitchFamily="34" charset="-127"/>
+              </a:rPr>
               <a:t>유사도 분석</a:t>
             </a:r>
-            <a:endParaRPr lang="ko-KR" altLang="en-US" dirty="0"/>
+            <a:endParaRPr lang="ko-KR" altLang="en-US" dirty="0">
+              <a:latin typeface="나눔스퀘어OTF" panose="020B0600000101010101" pitchFamily="34" charset="-127"/>
+              <a:ea typeface="나눔스퀘어OTF" panose="020B0600000101010101" pitchFamily="34" charset="-127"/>
+            </a:endParaRPr>
           </a:p>
           <a:p>
             <a:pPr>
@@ -3612,7 +3669,10 @@
               <a:buAutoNum type="arabicPeriod"/>
             </a:pPr>
             <a:r>
-              <a:rPr lang="ko-KR" altLang="en-US" dirty="0"/>
+              <a:rPr lang="ko-KR" altLang="en-US" dirty="0">
+                <a:latin typeface="나눔스퀘어OTF" panose="020B0600000101010101" pitchFamily="34" charset="-127"/>
+                <a:ea typeface="나눔스퀘어OTF" panose="020B0600000101010101" pitchFamily="34" charset="-127"/>
+              </a:rPr>
               <a:t>🎯 가장 유사한 항목에 대응되는 답변 추출</a:t>
             </a:r>
           </a:p>
@@ -3622,34 +3682,58 @@
               <a:buAutoNum type="arabicPeriod"/>
             </a:pPr>
             <a:r>
-              <a:rPr lang="ko-KR" altLang="en-US" dirty="0"/>
+              <a:rPr lang="ko-KR" altLang="en-US" dirty="0">
+                <a:latin typeface="나눔스퀘어OTF" panose="020B0600000101010101" pitchFamily="34" charset="-127"/>
+                <a:ea typeface="나눔스퀘어OTF" panose="020B0600000101010101" pitchFamily="34" charset="-127"/>
+              </a:rPr>
               <a:t>💌 </a:t>
             </a:r>
             <a:r>
-              <a:rPr lang="ko-KR" altLang="en-US" b="1" dirty="0"/>
+              <a:rPr lang="ko-KR" altLang="en-US" b="1" dirty="0">
+                <a:latin typeface="나눔스퀘어OTF" panose="020B0600000101010101" pitchFamily="34" charset="-127"/>
+                <a:ea typeface="나눔스퀘어OTF" panose="020B0600000101010101" pitchFamily="34" charset="-127"/>
+              </a:rPr>
               <a:t>고정 포맷</a:t>
             </a:r>
             <a:r>
-              <a:rPr lang="ko-KR" altLang="en-US" dirty="0"/>
+              <a:rPr lang="ko-KR" altLang="en-US" dirty="0">
+                <a:latin typeface="나눔스퀘어OTF" panose="020B0600000101010101" pitchFamily="34" charset="-127"/>
+                <a:ea typeface="나눔스퀘어OTF" panose="020B0600000101010101" pitchFamily="34" charset="-127"/>
+              </a:rPr>
               <a:t>으로 응답 구성 </a:t>
             </a:r>
-            <a:endParaRPr lang="en-US" altLang="ko-KR" dirty="0"/>
-          </a:p>
-          <a:p>
-            <a:r>
-              <a:rPr lang="en-US" altLang="ko-KR" dirty="0"/>
+            <a:endParaRPr lang="en-US" altLang="ko-KR" dirty="0">
+              <a:latin typeface="나눔스퀘어OTF" panose="020B0600000101010101" pitchFamily="34" charset="-127"/>
+              <a:ea typeface="나눔스퀘어OTF" panose="020B0600000101010101" pitchFamily="34" charset="-127"/>
+            </a:endParaRPr>
+          </a:p>
+          <a:p>
+            <a:r>
+              <a:rPr lang="en-US" altLang="ko-KR" dirty="0">
+                <a:latin typeface="나눔스퀘어OTF" panose="020B0600000101010101" pitchFamily="34" charset="-127"/>
+                <a:ea typeface="나눔스퀘어OTF" panose="020B0600000101010101" pitchFamily="34" charset="-127"/>
+              </a:rPr>
               <a:t>       </a:t>
             </a:r>
             <a:r>
-              <a:rPr lang="ko-KR" altLang="en-US" dirty="0"/>
+              <a:rPr lang="ko-KR" altLang="en-US" dirty="0">
+                <a:latin typeface="나눔스퀘어OTF" panose="020B0600000101010101" pitchFamily="34" charset="-127"/>
+                <a:ea typeface="나눔스퀘어OTF" panose="020B0600000101010101" pitchFamily="34" charset="-127"/>
+              </a:rPr>
               <a:t>→ 바로 복사 </a:t>
             </a:r>
             <a:r>
-              <a:rPr lang="en-US" altLang="ko-KR" dirty="0"/>
+              <a:rPr lang="en-US" altLang="ko-KR" dirty="0">
+                <a:latin typeface="나눔스퀘어OTF" panose="020B0600000101010101" pitchFamily="34" charset="-127"/>
+                <a:ea typeface="나눔스퀘어OTF" panose="020B0600000101010101" pitchFamily="34" charset="-127"/>
+              </a:rPr>
               <a:t>&amp; </a:t>
             </a:r>
             <a:r>
-              <a:rPr lang="ko-KR" altLang="en-US" dirty="0"/>
+              <a:rPr lang="ko-KR" altLang="en-US" dirty="0">
+                <a:latin typeface="나눔스퀘어OTF" panose="020B0600000101010101" pitchFamily="34" charset="-127"/>
+                <a:ea typeface="나눔스퀘어OTF" panose="020B0600000101010101" pitchFamily="34" charset="-127"/>
+              </a:rPr>
               <a:t>전달 가능</a:t>
             </a:r>
           </a:p>
@@ -3687,11 +3771,17 @@
               <a:buNone/>
             </a:pPr>
             <a:r>
-              <a:rPr lang="ko-KR" altLang="en-US" b="1" dirty="0"/>
+              <a:rPr lang="ko-KR" altLang="en-US" b="1" dirty="0">
+                <a:latin typeface="나눔스퀘어OTF" panose="020B0600000101010101" pitchFamily="34" charset="-127"/>
+                <a:ea typeface="나눔스퀘어OTF" panose="020B0600000101010101" pitchFamily="34" charset="-127"/>
+              </a:rPr>
               <a:t>🚀 향후 확장 플랜 </a:t>
             </a:r>
             <a:r>
-              <a:rPr lang="en-US" altLang="ko-KR" b="1" dirty="0"/>
+              <a:rPr lang="en-US" altLang="ko-KR" b="1" dirty="0">
+                <a:latin typeface="나눔스퀘어OTF" panose="020B0600000101010101" pitchFamily="34" charset="-127"/>
+                <a:ea typeface="나눔스퀘어OTF" panose="020B0600000101010101" pitchFamily="34" charset="-127"/>
+              </a:rPr>
               <a:t>(Roadmap)</a:t>
             </a:r>
           </a:p>
@@ -3700,7 +3790,10 @@
               <a:buNone/>
             </a:pPr>
             <a:r>
-              <a:rPr lang="en-US" altLang="ko-KR" b="1" dirty="0"/>
+              <a:rPr lang="en-US" altLang="ko-KR" b="1" dirty="0">
+                <a:latin typeface="나눔스퀘어OTF" panose="020B0600000101010101" pitchFamily="34" charset="-127"/>
+                <a:ea typeface="나눔스퀘어OTF" panose="020B0600000101010101" pitchFamily="34" charset="-127"/>
+              </a:rPr>
               <a:t>-----2025</a:t>
             </a:r>
           </a:p>
@@ -3774,11 +3867,17 @@
               <a:buNone/>
             </a:pPr>
             <a:r>
-              <a:rPr lang="ko-KR" altLang="en-US" b="1" dirty="0"/>
+              <a:rPr lang="ko-KR" altLang="en-US" b="1" dirty="0">
+                <a:latin typeface="나눔스퀘어OTF" panose="020B0600000101010101" pitchFamily="34" charset="-127"/>
+                <a:ea typeface="나눔스퀘어OTF" panose="020B0600000101010101" pitchFamily="34" charset="-127"/>
+              </a:rPr>
               <a:t>🎯 목적 </a:t>
             </a:r>
             <a:r>
-              <a:rPr lang="en-US" altLang="ko-KR" b="1" dirty="0"/>
+              <a:rPr lang="en-US" altLang="ko-KR" b="1" dirty="0">
+                <a:latin typeface="나눔스퀘어OTF" panose="020B0600000101010101" pitchFamily="34" charset="-127"/>
+                <a:ea typeface="나눔스퀘어OTF" panose="020B0600000101010101" pitchFamily="34" charset="-127"/>
+              </a:rPr>
               <a:t>(Objective)</a:t>
             </a:r>
           </a:p>
@@ -3788,26 +3887,44 @@
               <a:buChar char="•"/>
             </a:pPr>
             <a:r>
-              <a:rPr lang="ko-KR" altLang="en-US" dirty="0"/>
+              <a:rPr lang="ko-KR" altLang="en-US" dirty="0">
+                <a:latin typeface="나눔스퀘어OTF" panose="020B0600000101010101" pitchFamily="34" charset="-127"/>
+                <a:ea typeface="나눔스퀘어OTF" panose="020B0600000101010101" pitchFamily="34" charset="-127"/>
+              </a:rPr>
               <a:t>🧑‍💻 </a:t>
             </a:r>
             <a:r>
-              <a:rPr lang="ko-KR" altLang="en-US" b="1" dirty="0"/>
+              <a:rPr lang="ko-KR" altLang="en-US" b="1" dirty="0">
+                <a:latin typeface="나눔스퀘어OTF" panose="020B0600000101010101" pitchFamily="34" charset="-127"/>
+                <a:ea typeface="나눔스퀘어OTF" panose="020B0600000101010101" pitchFamily="34" charset="-127"/>
+              </a:rPr>
               <a:t>상담원 업무 보조용 </a:t>
             </a:r>
             <a:r>
-              <a:rPr lang="en-US" altLang="ko-KR" b="1" dirty="0"/>
+              <a:rPr lang="en-US" altLang="ko-KR" b="1" dirty="0">
+                <a:latin typeface="나눔스퀘어OTF" panose="020B0600000101010101" pitchFamily="34" charset="-127"/>
+                <a:ea typeface="나눔스퀘어OTF" panose="020B0600000101010101" pitchFamily="34" charset="-127"/>
+              </a:rPr>
               <a:t>AI </a:t>
             </a:r>
             <a:r>
-              <a:rPr lang="ko-KR" altLang="en-US" b="1" dirty="0" err="1"/>
+              <a:rPr lang="ko-KR" altLang="en-US" b="1" dirty="0" err="1">
+                <a:latin typeface="나눔스퀘어OTF" panose="020B0600000101010101" pitchFamily="34" charset="-127"/>
+                <a:ea typeface="나눔스퀘어OTF" panose="020B0600000101010101" pitchFamily="34" charset="-127"/>
+              </a:rPr>
               <a:t>챗봇</a:t>
             </a:r>
             <a:r>
-              <a:rPr lang="ko-KR" altLang="en-US" b="1" dirty="0"/>
+              <a:rPr lang="ko-KR" altLang="en-US" b="1" dirty="0">
+                <a:latin typeface="나눔스퀘어OTF" panose="020B0600000101010101" pitchFamily="34" charset="-127"/>
+                <a:ea typeface="나눔스퀘어OTF" panose="020B0600000101010101" pitchFamily="34" charset="-127"/>
+              </a:rPr>
               <a:t> 구축</a:t>
             </a:r>
-            <a:endParaRPr lang="ko-KR" altLang="en-US" dirty="0"/>
+            <a:endParaRPr lang="ko-KR" altLang="en-US" dirty="0">
+              <a:latin typeface="나눔스퀘어OTF" panose="020B0600000101010101" pitchFamily="34" charset="-127"/>
+              <a:ea typeface="나눔스퀘어OTF" panose="020B0600000101010101" pitchFamily="34" charset="-127"/>
+            </a:endParaRPr>
           </a:p>
           <a:p>
             <a:pPr>
@@ -3815,21 +3932,36 @@
               <a:buChar char="•"/>
             </a:pPr>
             <a:r>
-              <a:rPr lang="ko-KR" altLang="en-US" dirty="0"/>
+              <a:rPr lang="ko-KR" altLang="en-US" dirty="0">
+                <a:latin typeface="나눔스퀘어OTF" panose="020B0600000101010101" pitchFamily="34" charset="-127"/>
+                <a:ea typeface="나눔스퀘어OTF" panose="020B0600000101010101" pitchFamily="34" charset="-127"/>
+              </a:rPr>
               <a:t>⚡ 고객 질문에 빠르게 대응할 수 있도록 </a:t>
             </a:r>
-            <a:endParaRPr lang="en-US" altLang="ko-KR" dirty="0"/>
-          </a:p>
-          <a:p>
-            <a:r>
-              <a:rPr lang="en-US" altLang="ko-KR" b="1" dirty="0"/>
+            <a:endParaRPr lang="en-US" altLang="ko-KR" dirty="0">
+              <a:latin typeface="나눔스퀘어OTF" panose="020B0600000101010101" pitchFamily="34" charset="-127"/>
+              <a:ea typeface="나눔스퀘어OTF" panose="020B0600000101010101" pitchFamily="34" charset="-127"/>
+            </a:endParaRPr>
+          </a:p>
+          <a:p>
+            <a:r>
+              <a:rPr lang="en-US" altLang="ko-KR" b="1" dirty="0">
+                <a:latin typeface="나눔스퀘어OTF" panose="020B0600000101010101" pitchFamily="34" charset="-127"/>
+                <a:ea typeface="나눔스퀘어OTF" panose="020B0600000101010101" pitchFamily="34" charset="-127"/>
+              </a:rPr>
               <a:t>       FAQ </a:t>
             </a:r>
             <a:r>
-              <a:rPr lang="ko-KR" altLang="en-US" b="1" dirty="0"/>
+              <a:rPr lang="ko-KR" altLang="en-US" b="1" dirty="0">
+                <a:latin typeface="나눔스퀘어OTF" panose="020B0600000101010101" pitchFamily="34" charset="-127"/>
+                <a:ea typeface="나눔스퀘어OTF" panose="020B0600000101010101" pitchFamily="34" charset="-127"/>
+              </a:rPr>
               <a:t>기반 자동 응답 제공</a:t>
             </a:r>
-            <a:endParaRPr lang="ko-KR" altLang="en-US" dirty="0"/>
+            <a:endParaRPr lang="ko-KR" altLang="en-US" dirty="0">
+              <a:latin typeface="나눔스퀘어OTF" panose="020B0600000101010101" pitchFamily="34" charset="-127"/>
+              <a:ea typeface="나눔스퀘어OTF" panose="020B0600000101010101" pitchFamily="34" charset="-127"/>
+            </a:endParaRPr>
           </a:p>
         </p:txBody>
       </p:sp>
